--- a/img/classification_detect.pptx
+++ b/img/classification_detect.pptx
@@ -104,6 +104,11 @@
       </a:defRPr>
     </a:lvl9pPr>
   </p:defaultTextStyle>
+  <p:extLst>
+    <p:ext uri="{EFAFB233-063F-42B5-8137-9DF3F51BA10A}">
+      <p15:sldGuideLst xmlns:p15="http://schemas.microsoft.com/office/powerpoint/2012/main"/>
+    </p:ext>
+  </p:extLst>
 </p:presentation>
 </file>
 
@@ -237,7 +242,7 @@
           <a:lstStyle/>
           <a:p>
             <a:fld id="{D7144C89-7E97-FF43-814D-857679DDE6A3}" type="datetimeFigureOut">
-              <a:t>16.06.20</a:t>
+              <a:t>30.06.20</a:t>
             </a:fld>
             <a:endParaRPr lang="de-DE"/>
           </a:p>
@@ -405,7 +410,7 @@
           <a:lstStyle/>
           <a:p>
             <a:fld id="{D7144C89-7E97-FF43-814D-857679DDE6A3}" type="datetimeFigureOut">
-              <a:t>16.06.20</a:t>
+              <a:t>30.06.20</a:t>
             </a:fld>
             <a:endParaRPr lang="de-DE"/>
           </a:p>
@@ -583,7 +588,7 @@
           <a:lstStyle/>
           <a:p>
             <a:fld id="{D7144C89-7E97-FF43-814D-857679DDE6A3}" type="datetimeFigureOut">
-              <a:t>16.06.20</a:t>
+              <a:t>30.06.20</a:t>
             </a:fld>
             <a:endParaRPr lang="de-DE"/>
           </a:p>
@@ -751,7 +756,7 @@
           <a:lstStyle/>
           <a:p>
             <a:fld id="{D7144C89-7E97-FF43-814D-857679DDE6A3}" type="datetimeFigureOut">
-              <a:t>16.06.20</a:t>
+              <a:t>30.06.20</a:t>
             </a:fld>
             <a:endParaRPr lang="de-DE"/>
           </a:p>
@@ -995,7 +1000,7 @@
           <a:lstStyle/>
           <a:p>
             <a:fld id="{D7144C89-7E97-FF43-814D-857679DDE6A3}" type="datetimeFigureOut">
-              <a:t>16.06.20</a:t>
+              <a:t>30.06.20</a:t>
             </a:fld>
             <a:endParaRPr lang="de-DE"/>
           </a:p>
@@ -1225,7 +1230,7 @@
           <a:lstStyle/>
           <a:p>
             <a:fld id="{D7144C89-7E97-FF43-814D-857679DDE6A3}" type="datetimeFigureOut">
-              <a:t>16.06.20</a:t>
+              <a:t>30.06.20</a:t>
             </a:fld>
             <a:endParaRPr lang="de-DE"/>
           </a:p>
@@ -1590,7 +1595,7 @@
           <a:lstStyle/>
           <a:p>
             <a:fld id="{D7144C89-7E97-FF43-814D-857679DDE6A3}" type="datetimeFigureOut">
-              <a:t>16.06.20</a:t>
+              <a:t>30.06.20</a:t>
             </a:fld>
             <a:endParaRPr lang="de-DE"/>
           </a:p>
@@ -1706,7 +1711,7 @@
           <a:lstStyle/>
           <a:p>
             <a:fld id="{D7144C89-7E97-FF43-814D-857679DDE6A3}" type="datetimeFigureOut">
-              <a:t>16.06.20</a:t>
+              <a:t>30.06.20</a:t>
             </a:fld>
             <a:endParaRPr lang="de-DE"/>
           </a:p>
@@ -1799,7 +1804,7 @@
           <a:lstStyle/>
           <a:p>
             <a:fld id="{D7144C89-7E97-FF43-814D-857679DDE6A3}" type="datetimeFigureOut">
-              <a:t>16.06.20</a:t>
+              <a:t>30.06.20</a:t>
             </a:fld>
             <a:endParaRPr lang="de-DE"/>
           </a:p>
@@ -2074,7 +2079,7 @@
           <a:lstStyle/>
           <a:p>
             <a:fld id="{D7144C89-7E97-FF43-814D-857679DDE6A3}" type="datetimeFigureOut">
-              <a:t>16.06.20</a:t>
+              <a:t>30.06.20</a:t>
             </a:fld>
             <a:endParaRPr lang="de-DE"/>
           </a:p>
@@ -2329,7 +2334,7 @@
           <a:lstStyle/>
           <a:p>
             <a:fld id="{D7144C89-7E97-FF43-814D-857679DDE6A3}" type="datetimeFigureOut">
-              <a:t>16.06.20</a:t>
+              <a:t>30.06.20</a:t>
             </a:fld>
             <a:endParaRPr lang="de-DE"/>
           </a:p>
@@ -2540,7 +2545,7 @@
           </a:lstStyle>
           <a:p>
             <a:fld id="{D7144C89-7E97-FF43-814D-857679DDE6A3}" type="datetimeFigureOut">
-              <a:t>16.06.20</a:t>
+              <a:t>30.06.20</a:t>
             </a:fld>
             <a:endParaRPr lang="de-DE"/>
           </a:p>
@@ -3379,7 +3384,7 @@
           <p:nvPr>
             <p:extLst>
               <p:ext uri="{D42A27DB-BD31-4B8C-83A1-F6EECF244321}">
-                <p14:modId xmlns:p14="http://schemas.microsoft.com/office/powerpoint/2010/main" val="133545215"/>
+                <p14:modId xmlns:p14="http://schemas.microsoft.com/office/powerpoint/2010/main" val="3159106896"/>
               </p:ext>
             </p:extLst>
           </p:nvPr>
@@ -3450,8 +3455,8 @@
                     <a:lstStyle/>
                     <a:p>
                       <a:r>
-                        <a:rPr lang="de-DE" sz="1400"/>
-                        <a:t>E</a:t>
+                        <a:rPr lang="de-DE" sz="1400" baseline="0"/>
+                        <a:t>e</a:t>
                       </a:r>
                       <a:r>
                         <a:rPr lang="de-DE" sz="1400" baseline="-25000"/>
@@ -3506,7 +3511,7 @@
                     <a:p>
                       <a:r>
                         <a:rPr lang="de-DE" sz="1400"/>
-                        <a:t>E</a:t>
+                        <a:t>e</a:t>
                       </a:r>
                       <a:r>
                         <a:rPr lang="de-DE" sz="1400" baseline="-25000"/>
@@ -3561,13 +3566,12 @@
                     <a:p>
                       <a:r>
                         <a:rPr lang="de-DE" sz="1400"/>
-                        <a:t>E</a:t>
+                        <a:t>e</a:t>
                       </a:r>
                       <a:r>
                         <a:rPr lang="de-DE" sz="1400" baseline="-25000"/>
                         <a:t>3</a:t>
                       </a:r>
-                      <a:endParaRPr lang="de-DE" sz="1400"/>
                     </a:p>
                   </a:txBody>
                   <a:tcPr marL="75571" marR="75571"/>
@@ -3616,7 +3620,7 @@
                     <a:p>
                       <a:r>
                         <a:rPr lang="de-DE" sz="1400"/>
-                        <a:t>E</a:t>
+                        <a:t>e</a:t>
                       </a:r>
                       <a:r>
                         <a:rPr lang="de-DE" sz="1400" baseline="-25000"/>
@@ -3671,7 +3675,7 @@
                     <a:p>
                       <a:r>
                         <a:rPr lang="de-DE" sz="1400"/>
-                        <a:t>E</a:t>
+                        <a:t>e</a:t>
                       </a:r>
                       <a:r>
                         <a:rPr lang="de-DE" sz="1400" baseline="-25000"/>
@@ -3971,7 +3975,7 @@
             <a:pPr algn="ctr"/>
             <a:r>
               <a:rPr lang="de-DE"/>
-              <a:t>Compare predictions to true class E</a:t>
+              <a:t>Compare predictions to true class e</a:t>
             </a:r>
             <a:r>
               <a:rPr lang="de-DE" baseline="-25000"/>
@@ -3996,7 +4000,7 @@
           <p:nvPr>
             <p:extLst>
               <p:ext uri="{D42A27DB-BD31-4B8C-83A1-F6EECF244321}">
-                <p14:modId xmlns:p14="http://schemas.microsoft.com/office/powerpoint/2010/main" val="2274629495"/>
+                <p14:modId xmlns:p14="http://schemas.microsoft.com/office/powerpoint/2010/main" val="3347082915"/>
               </p:ext>
             </p:extLst>
           </p:nvPr>
@@ -4071,7 +4075,7 @@
                       <a:pPr algn="ctr"/>
                       <a:r>
                         <a:rPr lang="de-DE" sz="1400"/>
-                        <a:t>E</a:t>
+                        <a:t>e</a:t>
                       </a:r>
                       <a:r>
                         <a:rPr lang="de-DE" sz="1400" baseline="-25000"/>

--- a/img/classification_detect.pptx
+++ b/img/classification_detect.pptx
@@ -242,7 +242,7 @@
           <a:lstStyle/>
           <a:p>
             <a:fld id="{D7144C89-7E97-FF43-814D-857679DDE6A3}" type="datetimeFigureOut">
-              <a:t>30.06.20</a:t>
+              <a:t>01.07.20</a:t>
             </a:fld>
             <a:endParaRPr lang="de-DE"/>
           </a:p>
@@ -410,7 +410,7 @@
           <a:lstStyle/>
           <a:p>
             <a:fld id="{D7144C89-7E97-FF43-814D-857679DDE6A3}" type="datetimeFigureOut">
-              <a:t>30.06.20</a:t>
+              <a:t>01.07.20</a:t>
             </a:fld>
             <a:endParaRPr lang="de-DE"/>
           </a:p>
@@ -588,7 +588,7 @@
           <a:lstStyle/>
           <a:p>
             <a:fld id="{D7144C89-7E97-FF43-814D-857679DDE6A3}" type="datetimeFigureOut">
-              <a:t>30.06.20</a:t>
+              <a:t>01.07.20</a:t>
             </a:fld>
             <a:endParaRPr lang="de-DE"/>
           </a:p>
@@ -756,7 +756,7 @@
           <a:lstStyle/>
           <a:p>
             <a:fld id="{D7144C89-7E97-FF43-814D-857679DDE6A3}" type="datetimeFigureOut">
-              <a:t>30.06.20</a:t>
+              <a:t>01.07.20</a:t>
             </a:fld>
             <a:endParaRPr lang="de-DE"/>
           </a:p>
@@ -1000,7 +1000,7 @@
           <a:lstStyle/>
           <a:p>
             <a:fld id="{D7144C89-7E97-FF43-814D-857679DDE6A3}" type="datetimeFigureOut">
-              <a:t>30.06.20</a:t>
+              <a:t>01.07.20</a:t>
             </a:fld>
             <a:endParaRPr lang="de-DE"/>
           </a:p>
@@ -1230,7 +1230,7 @@
           <a:lstStyle/>
           <a:p>
             <a:fld id="{D7144C89-7E97-FF43-814D-857679DDE6A3}" type="datetimeFigureOut">
-              <a:t>30.06.20</a:t>
+              <a:t>01.07.20</a:t>
             </a:fld>
             <a:endParaRPr lang="de-DE"/>
           </a:p>
@@ -1595,7 +1595,7 @@
           <a:lstStyle/>
           <a:p>
             <a:fld id="{D7144C89-7E97-FF43-814D-857679DDE6A3}" type="datetimeFigureOut">
-              <a:t>30.06.20</a:t>
+              <a:t>01.07.20</a:t>
             </a:fld>
             <a:endParaRPr lang="de-DE"/>
           </a:p>
@@ -1711,7 +1711,7 @@
           <a:lstStyle/>
           <a:p>
             <a:fld id="{D7144C89-7E97-FF43-814D-857679DDE6A3}" type="datetimeFigureOut">
-              <a:t>30.06.20</a:t>
+              <a:t>01.07.20</a:t>
             </a:fld>
             <a:endParaRPr lang="de-DE"/>
           </a:p>
@@ -1804,7 +1804,7 @@
           <a:lstStyle/>
           <a:p>
             <a:fld id="{D7144C89-7E97-FF43-814D-857679DDE6A3}" type="datetimeFigureOut">
-              <a:t>30.06.20</a:t>
+              <a:t>01.07.20</a:t>
             </a:fld>
             <a:endParaRPr lang="de-DE"/>
           </a:p>
@@ -2079,7 +2079,7 @@
           <a:lstStyle/>
           <a:p>
             <a:fld id="{D7144C89-7E97-FF43-814D-857679DDE6A3}" type="datetimeFigureOut">
-              <a:t>30.06.20</a:t>
+              <a:t>01.07.20</a:t>
             </a:fld>
             <a:endParaRPr lang="de-DE"/>
           </a:p>
@@ -2334,7 +2334,7 @@
           <a:lstStyle/>
           <a:p>
             <a:fld id="{D7144C89-7E97-FF43-814D-857679DDE6A3}" type="datetimeFigureOut">
-              <a:t>30.06.20</a:t>
+              <a:t>01.07.20</a:t>
             </a:fld>
             <a:endParaRPr lang="de-DE"/>
           </a:p>
@@ -2545,7 +2545,7 @@
           </a:lstStyle>
           <a:p>
             <a:fld id="{D7144C89-7E97-FF43-814D-857679DDE6A3}" type="datetimeFigureOut">
-              <a:t>30.06.20</a:t>
+              <a:t>01.07.20</a:t>
             </a:fld>
             <a:endParaRPr lang="de-DE"/>
           </a:p>
@@ -3827,14 +3827,14 @@
           <p:nvPr>
             <p:extLst>
               <p:ext uri="{D42A27DB-BD31-4B8C-83A1-F6EECF244321}">
-                <p14:modId xmlns:p14="http://schemas.microsoft.com/office/powerpoint/2010/main" val="2967507625"/>
+                <p14:modId xmlns:p14="http://schemas.microsoft.com/office/powerpoint/2010/main" val="276749753"/>
               </p:ext>
             </p:extLst>
           </p:nvPr>
         </p:nvGraphicFramePr>
         <p:xfrm>
-          <a:off x="6658467" y="1414575"/>
-          <a:ext cx="781040" cy="1483360"/>
+          <a:off x="6658463" y="1414575"/>
+          <a:ext cx="1438360" cy="1854200"/>
         </p:xfrm>
         <a:graphic>
           <a:graphicData uri="http://schemas.openxmlformats.org/drawingml/2006/table">
@@ -3843,16 +3843,23 @@
                 <a:tableStyleId>{9D7B26C5-4107-4FEC-AEDC-1716B250A1EF}</a:tableStyleId>
               </a:tblPr>
               <a:tblGrid>
-                <a:gridCol w="781040">
+                <a:gridCol w="719180">
                   <a:extLst>
                     <a:ext uri="{9D8B030D-6E8A-4147-A177-3AD203B41FA5}">
                       <a16:colId xmlns:a16="http://schemas.microsoft.com/office/drawing/2014/main" val="3587637942"/>
                     </a:ext>
                   </a:extLst>
                 </a:gridCol>
+                <a:gridCol w="719180">
+                  <a:extLst>
+                    <a:ext uri="{9D8B030D-6E8A-4147-A177-3AD203B41FA5}">
+                      <a16:colId xmlns:a16="http://schemas.microsoft.com/office/drawing/2014/main" val="3979448078"/>
+                    </a:ext>
+                  </a:extLst>
+                </a:gridCol>
               </a:tblGrid>
               <a:tr h="370840">
-                <a:tc>
+                <a:tc gridSpan="2">
                   <a:txBody>
                     <a:bodyPr/>
                     <a:lstStyle/>
@@ -3860,8 +3867,35 @@
                       <a:pPr algn="ctr"/>
                       <a:r>
                         <a:rPr lang="de-DE" sz="1400"/>
-                        <a:t>Pred</a:t>
-                      </a:r>
+                        <a:t>Pr(e</a:t>
+                      </a:r>
+                      <a:r>
+                        <a:rPr lang="de-DE" sz="1400" baseline="-25000"/>
+                        <a:t>6</a:t>
+                      </a:r>
+                      <a:r>
+                        <a:rPr lang="de-DE" sz="1400"/>
+                        <a:t>|S</a:t>
+                      </a:r>
+                      <a:r>
+                        <a:rPr lang="de-DE" sz="1400" baseline="-25000"/>
+                        <a:t>i</a:t>
+                      </a:r>
+                      <a:r>
+                        <a:rPr lang="de-DE" sz="1400"/>
+                        <a:t>)</a:t>
+                      </a:r>
+                    </a:p>
+                  </a:txBody>
+                  <a:tcPr marL="196011" marR="196011"/>
+                </a:tc>
+                <a:tc hMerge="1">
+                  <a:txBody>
+                    <a:bodyPr/>
+                    <a:lstStyle/>
+                    <a:p>
+                      <a:pPr algn="ctr"/>
+                      <a:endParaRPr lang="de-DE" sz="1400"/>
                     </a:p>
                   </a:txBody>
                   <a:tcPr marL="196011" marR="196011"/>
@@ -3881,7 +3915,21 @@
                       <a:pPr algn="ctr"/>
                       <a:r>
                         <a:rPr lang="de-DE" sz="1400"/>
-                        <a:t>3</a:t>
+                        <a:t>4</a:t>
+                      </a:r>
+                    </a:p>
+                  </a:txBody>
+                  <a:tcPr marL="196011" marR="196011"/>
+                </a:tc>
+                <a:tc>
+                  <a:txBody>
+                    <a:bodyPr/>
+                    <a:lstStyle/>
+                    <a:p>
+                      <a:pPr algn="ctr"/>
+                      <a:r>
+                        <a:rPr lang="de-DE" sz="1400"/>
+                        <a:t>0.56</a:t>
                       </a:r>
                     </a:p>
                   </a:txBody>
@@ -3908,6 +3956,20 @@
                   </a:txBody>
                   <a:tcPr marL="196011" marR="196011"/>
                 </a:tc>
+                <a:tc>
+                  <a:txBody>
+                    <a:bodyPr/>
+                    <a:lstStyle/>
+                    <a:p>
+                      <a:pPr algn="ctr"/>
+                      <a:r>
+                        <a:rPr lang="de-DE" sz="1400"/>
+                        <a:t>0.25</a:t>
+                      </a:r>
+                    </a:p>
+                  </a:txBody>
+                  <a:tcPr marL="196011" marR="196011"/>
+                </a:tc>
                 <a:extLst>
                   <a:ext uri="{0D108BD9-81ED-4DB2-BD59-A6C34878D82A}">
                     <a16:rowId xmlns:a16="http://schemas.microsoft.com/office/drawing/2014/main" val="2111657335"/>
@@ -3929,9 +3991,55 @@
                   </a:txBody>
                   <a:tcPr marL="196011" marR="196011"/>
                 </a:tc>
+                <a:tc>
+                  <a:txBody>
+                    <a:bodyPr/>
+                    <a:lstStyle/>
+                    <a:p>
+                      <a:pPr algn="ctr"/>
+                      <a:r>
+                        <a:rPr lang="de-DE" sz="1400"/>
+                        <a:t>0.11</a:t>
+                      </a:r>
+                    </a:p>
+                  </a:txBody>
+                  <a:tcPr marL="196011" marR="196011"/>
+                </a:tc>
                 <a:extLst>
                   <a:ext uri="{0D108BD9-81ED-4DB2-BD59-A6C34878D82A}">
                     <a16:rowId xmlns:a16="http://schemas.microsoft.com/office/drawing/2014/main" val="148204750"/>
+                  </a:ext>
+                </a:extLst>
+              </a:tr>
+              <a:tr h="370840">
+                <a:tc gridSpan="2">
+                  <a:txBody>
+                    <a:bodyPr/>
+                    <a:lstStyle/>
+                    <a:p>
+                      <a:pPr algn="ctr"/>
+                      <a:r>
+                        <a:rPr lang="de-DE" sz="1400"/>
+                        <a:t>....</a:t>
+                      </a:r>
+                    </a:p>
+                  </a:txBody>
+                  <a:tcPr marL="196011" marR="196011"/>
+                </a:tc>
+                <a:tc hMerge="1">
+                  <a:txBody>
+                    <a:bodyPr/>
+                    <a:lstStyle/>
+                    <a:p>
+                      <a:pPr algn="ctr"/>
+                      <a:endParaRPr lang="de-DE" sz="1400"/>
+                    </a:p>
+                  </a:txBody>
+                  <a:tcPr marL="196011" marR="196011"/>
+                </a:tc>
+                <a:extLst>
+                  <a:ext uri="{0D108BD9-81ED-4DB2-BD59-A6C34878D82A}">
+                    <a16:rowId xmlns:a16="http://schemas.microsoft.com/office/drawing/2014/main" val="1622909097"/>
                   </a:ext>
                 </a:extLst>
               </a:tr>
@@ -3939,52 +4047,119 @@
           </a:graphicData>
         </a:graphic>
       </p:graphicFrame>
-      <p:sp>
-        <p:nvSpPr>
-          <p:cNvPr id="16" name="TextBox 15">
-            <a:extLst>
-              <a:ext uri="{FF2B5EF4-FFF2-40B4-BE49-F238E27FC236}">
-                <a16:creationId xmlns:a16="http://schemas.microsoft.com/office/drawing/2014/main" id="{AAE4FD55-BF1F-3943-9A50-73C4F7BF6E0A}"/>
-              </a:ext>
-            </a:extLst>
-          </p:cNvPr>
-          <p:cNvSpPr txBox="1"/>
-          <p:nvPr/>
-        </p:nvSpPr>
-        <p:spPr>
-          <a:xfrm>
-            <a:off x="8280653" y="1833097"/>
-            <a:ext cx="2219894" cy="646331"/>
-          </a:xfrm>
-          <a:prstGeom prst="rect">
-            <a:avLst/>
-          </a:prstGeom>
-          <a:noFill/>
-          <a:ln>
-            <a:solidFill>
-              <a:schemeClr val="tx1"/>
-            </a:solidFill>
-          </a:ln>
-        </p:spPr>
-        <p:txBody>
-          <a:bodyPr wrap="square" rtlCol="0">
-            <a:spAutoFit/>
-          </a:bodyPr>
-          <a:lstStyle/>
-          <a:p>
-            <a:pPr algn="ctr"/>
-            <a:r>
-              <a:rPr lang="de-DE"/>
-              <a:t>Compare predictions to true class e</a:t>
-            </a:r>
-            <a:r>
-              <a:rPr lang="de-DE" baseline="-25000"/>
-              <a:t>6</a:t>
-            </a:r>
-            <a:endParaRPr lang="de-DE"/>
-          </a:p>
-        </p:txBody>
-      </p:sp>
+      <mc:AlternateContent xmlns:mc="http://schemas.openxmlformats.org/markup-compatibility/2006">
+        <mc:Choice xmlns:a14="http://schemas.microsoft.com/office/drawing/2010/main" Requires="a14">
+          <p:sp>
+            <p:nvSpPr>
+              <p:cNvPr id="16" name="TextBox 15">
+                <a:extLst>
+                  <a:ext uri="{FF2B5EF4-FFF2-40B4-BE49-F238E27FC236}">
+                    <a16:creationId xmlns:a16="http://schemas.microsoft.com/office/drawing/2014/main" id="{AAE4FD55-BF1F-3943-9A50-73C4F7BF6E0A}"/>
+                  </a:ext>
+                </a:extLst>
+              </p:cNvPr>
+              <p:cNvSpPr txBox="1"/>
+              <p:nvPr/>
+            </p:nvSpPr>
+            <p:spPr>
+              <a:xfrm>
+                <a:off x="8796289" y="1833097"/>
+                <a:ext cx="2219894" cy="923330"/>
+              </a:xfrm>
+              <a:prstGeom prst="rect">
+                <a:avLst/>
+              </a:prstGeom>
+              <a:noFill/>
+              <a:ln>
+                <a:solidFill>
+                  <a:schemeClr val="tx1"/>
+                </a:solidFill>
+              </a:ln>
+            </p:spPr>
+            <p:txBody>
+              <a:bodyPr wrap="square" rtlCol="0">
+                <a:spAutoFit/>
+              </a:bodyPr>
+              <a:lstStyle/>
+              <a:p>
+                <a:pPr algn="ctr"/>
+                <a:r>
+                  <a:rPr lang="de-DE"/>
+                  <a:t>Compare top-</a:t>
+                </a:r>
+                <a14:m>
+                  <m:oMath xmlns:m="http://schemas.openxmlformats.org/officeDocument/2006/math">
+                    <m:r>
+                      <a:rPr lang="de-DE" b="0" i="1">
+                        <a:latin typeface="Cambria Math" panose="02040503050406030204" pitchFamily="18" charset="0"/>
+                      </a:rPr>
+                      <m:t>3</m:t>
+                    </m:r>
+                  </m:oMath>
+                </a14:m>
+                <a:r>
+                  <a:rPr lang="de-DE"/>
+                  <a:t> predictions to true class e</a:t>
+                </a:r>
+                <a:r>
+                  <a:rPr lang="de-DE" baseline="-25000"/>
+                  <a:t>6</a:t>
+                </a:r>
+                <a:endParaRPr lang="de-DE"/>
+              </a:p>
+            </p:txBody>
+          </p:sp>
+        </mc:Choice>
+        <mc:Fallback>
+          <p:sp>
+            <p:nvSpPr>
+              <p:cNvPr id="16" name="TextBox 15">
+                <a:extLst>
+                  <a:ext uri="{FF2B5EF4-FFF2-40B4-BE49-F238E27FC236}">
+                    <a16:creationId xmlns:a16="http://schemas.microsoft.com/office/drawing/2014/main" id="{AAE4FD55-BF1F-3943-9A50-73C4F7BF6E0A}"/>
+                  </a:ext>
+                </a:extLst>
+              </p:cNvPr>
+              <p:cNvSpPr txBox="1">
+                <a:spLocks noRot="1" noChangeAspect="1" noMove="1" noResize="1" noEditPoints="1" noAdjustHandles="1" noChangeArrowheads="1" noChangeShapeType="1" noTextEdit="1"/>
+              </p:cNvSpPr>
+              <p:nvPr/>
+            </p:nvSpPr>
+            <p:spPr>
+              <a:xfrm>
+                <a:off x="8796289" y="1833097"/>
+                <a:ext cx="2219894" cy="923330"/>
+              </a:xfrm>
+              <a:prstGeom prst="rect">
+                <a:avLst/>
+              </a:prstGeom>
+              <a:blipFill>
+                <a:blip r:embed="rId2"/>
+                <a:stretch>
+                  <a:fillRect t="-2703" b="-8108"/>
+                </a:stretch>
+              </a:blipFill>
+              <a:ln>
+                <a:solidFill>
+                  <a:schemeClr val="tx1"/>
+                </a:solidFill>
+              </a:ln>
+            </p:spPr>
+            <p:txBody>
+              <a:bodyPr/>
+              <a:lstStyle/>
+              <a:p>
+                <a:r>
+                  <a:rPr lang="de-DE">
+                    <a:noFill/>
+                  </a:rPr>
+                  <a:t> </a:t>
+                </a:r>
+              </a:p>
+            </p:txBody>
+          </p:sp>
+        </mc:Fallback>
+      </mc:AlternateContent>
       <p:graphicFrame>
         <p:nvGraphicFramePr>
           <p:cNvPr id="17" name="Table 16">
@@ -4000,13 +4175,13 @@
           <p:nvPr>
             <p:extLst>
               <p:ext uri="{D42A27DB-BD31-4B8C-83A1-F6EECF244321}">
-                <p14:modId xmlns:p14="http://schemas.microsoft.com/office/powerpoint/2010/main" val="3347082915"/>
+                <p14:modId xmlns:p14="http://schemas.microsoft.com/office/powerpoint/2010/main" val="2912958207"/>
               </p:ext>
             </p:extLst>
           </p:nvPr>
         </p:nvGraphicFramePr>
         <p:xfrm>
-          <a:off x="8597672" y="415120"/>
+          <a:off x="9113308" y="415120"/>
           <a:ext cx="1564839" cy="741680"/>
         </p:xfrm>
         <a:graphic>
@@ -4135,13 +4310,15 @@
               </a:ext>
             </a:extLst>
           </p:cNvPr>
-          <p:cNvCxnSpPr/>
+          <p:cNvCxnSpPr>
+            <a:cxnSpLocks/>
+          </p:cNvCxnSpPr>
           <p:nvPr/>
         </p:nvCxnSpPr>
         <p:spPr>
           <a:xfrm>
-            <a:off x="7445413" y="2156254"/>
-            <a:ext cx="818370" cy="2"/>
+            <a:off x="8103698" y="2156256"/>
+            <a:ext cx="675722" cy="0"/>
           </a:xfrm>
           <a:prstGeom prst="straightConnector1">
             <a:avLst/>
@@ -4184,7 +4361,7 @@
         </p:nvCxnSpPr>
         <p:spPr>
           <a:xfrm>
-            <a:off x="9408115" y="1169892"/>
+            <a:off x="9923751" y="1169892"/>
             <a:ext cx="0" cy="663199"/>
           </a:xfrm>
           <a:prstGeom prst="straightConnector1">
@@ -4228,7 +4405,7 @@
         </p:nvCxnSpPr>
         <p:spPr>
           <a:xfrm>
-            <a:off x="9390599" y="2479422"/>
+            <a:off x="9906235" y="2759339"/>
             <a:ext cx="0" cy="663199"/>
           </a:xfrm>
           <a:prstGeom prst="straightConnector1">
@@ -4270,7 +4447,7 @@
         </p:nvSpPr>
         <p:spPr>
           <a:xfrm>
-            <a:off x="8628602" y="3179318"/>
+            <a:off x="9144238" y="3524550"/>
             <a:ext cx="1524001" cy="369332"/>
           </a:xfrm>
           <a:prstGeom prst="rect">
@@ -4335,6 +4512,82 @@
             <a:r>
               <a:rPr lang="de-DE" sz="1400"/>
               <a:t>embeddings</a:t>
+            </a:r>
+          </a:p>
+        </p:txBody>
+      </p:sp>
+      <p:sp>
+        <p:nvSpPr>
+          <p:cNvPr id="2" name="TextBox 1">
+            <a:extLst>
+              <a:ext uri="{FF2B5EF4-FFF2-40B4-BE49-F238E27FC236}">
+                <a16:creationId xmlns:a16="http://schemas.microsoft.com/office/drawing/2014/main" id="{075883BF-9E48-EC4F-A0A3-04973E827400}"/>
+              </a:ext>
+            </a:extLst>
+          </p:cNvPr>
+          <p:cNvSpPr txBox="1"/>
+          <p:nvPr/>
+        </p:nvSpPr>
+        <p:spPr>
+          <a:xfrm>
+            <a:off x="474812" y="490747"/>
+            <a:ext cx="1945678" cy="369332"/>
+          </a:xfrm>
+          <a:prstGeom prst="rect">
+            <a:avLst/>
+          </a:prstGeom>
+          <a:noFill/>
+        </p:spPr>
+        <p:txBody>
+          <a:bodyPr wrap="square" rtlCol="0">
+            <a:spAutoFit/>
+          </a:bodyPr>
+          <a:lstStyle/>
+          <a:p>
+            <a:r>
+              <a:rPr lang="de-DE"/>
+              <a:t>Input sequence S</a:t>
+            </a:r>
+            <a:r>
+              <a:rPr lang="de-DE" baseline="-25000"/>
+              <a:t>i</a:t>
+            </a:r>
+            <a:endParaRPr lang="de-DE"/>
+          </a:p>
+        </p:txBody>
+      </p:sp>
+      <p:sp>
+        <p:nvSpPr>
+          <p:cNvPr id="19" name="TextBox 18">
+            <a:extLst>
+              <a:ext uri="{FF2B5EF4-FFF2-40B4-BE49-F238E27FC236}">
+                <a16:creationId xmlns:a16="http://schemas.microsoft.com/office/drawing/2014/main" id="{28DC8214-0272-6648-BA49-427DC69DA10F}"/>
+              </a:ext>
+            </a:extLst>
+          </p:cNvPr>
+          <p:cNvSpPr txBox="1"/>
+          <p:nvPr/>
+        </p:nvSpPr>
+        <p:spPr>
+          <a:xfrm>
+            <a:off x="6404804" y="510469"/>
+            <a:ext cx="1945678" cy="646331"/>
+          </a:xfrm>
+          <a:prstGeom prst="rect">
+            <a:avLst/>
+          </a:prstGeom>
+          <a:noFill/>
+        </p:spPr>
+        <p:txBody>
+          <a:bodyPr wrap="square" rtlCol="0">
+            <a:spAutoFit/>
+          </a:bodyPr>
+          <a:lstStyle/>
+          <a:p>
+            <a:pPr algn="ctr"/>
+            <a:r>
+              <a:rPr lang="de-DE"/>
+              <a:t>Output conditional probability</a:t>
             </a:r>
           </a:p>
         </p:txBody>
